--- a/slides/Rake.pptx
+++ b/slides/Rake.pptx
@@ -1248,6 +1248,13 @@
         </dgm:presLayoutVars>
       </dgm:prSet>
       <dgm:spPr/>
+      <dgm:t>
+        <a:bodyPr/>
+        <a:lstStyle/>
+        <a:p>
+          <a:endParaRPr lang="nl-BE"/>
+        </a:p>
+      </dgm:t>
     </dgm:pt>
     <dgm:pt modelId="{03B1C940-7285-4974-90EE-BA8FD510A6A1}" type="pres">
       <dgm:prSet presAssocID="{B11343D8-5750-4C53-BB55-D94E8CD1B275}" presName="linNode" presStyleCnt="0"/>
@@ -1260,6 +1267,13 @@
         </dgm:presLayoutVars>
       </dgm:prSet>
       <dgm:spPr/>
+      <dgm:t>
+        <a:bodyPr/>
+        <a:lstStyle/>
+        <a:p>
+          <a:endParaRPr lang="nl-BE"/>
+        </a:p>
+      </dgm:t>
     </dgm:pt>
     <dgm:pt modelId="{42A58480-213C-4B66-95D1-505DC3A896F4}" type="pres">
       <dgm:prSet presAssocID="{B11343D8-5750-4C53-BB55-D94E8CD1B275}" presName="childShp" presStyleLbl="bgAccFollowNode1" presStyleIdx="0" presStyleCnt="2">
@@ -1268,6 +1282,13 @@
         </dgm:presLayoutVars>
       </dgm:prSet>
       <dgm:spPr/>
+      <dgm:t>
+        <a:bodyPr/>
+        <a:lstStyle/>
+        <a:p>
+          <a:endParaRPr lang="nl-BE"/>
+        </a:p>
+      </dgm:t>
     </dgm:pt>
     <dgm:pt modelId="{B8B7B586-C4F9-4CAA-A94C-C86ED3778E56}" type="pres">
       <dgm:prSet presAssocID="{6D9CCE4E-D171-4787-AFD0-4C117FC1EAED}" presName="spacing" presStyleCnt="0"/>
@@ -1284,6 +1305,13 @@
         </dgm:presLayoutVars>
       </dgm:prSet>
       <dgm:spPr/>
+      <dgm:t>
+        <a:bodyPr/>
+        <a:lstStyle/>
+        <a:p>
+          <a:endParaRPr lang="nl-BE"/>
+        </a:p>
+      </dgm:t>
     </dgm:pt>
     <dgm:pt modelId="{8649F8C4-0B17-4A7D-978E-1C977268C371}" type="pres">
       <dgm:prSet presAssocID="{73B62FD0-0AB6-4001-B7DA-CDE8EFE3C4ED}" presName="childShp" presStyleLbl="bgAccFollowNode1" presStyleIdx="1" presStyleCnt="2">
@@ -1302,27 +1330,27 @@
     </dgm:pt>
   </dgm:ptLst>
   <dgm:cxnLst>
+    <dgm:cxn modelId="{7C1D2255-AFBA-430F-968B-6BCEE0B23547}" type="presOf" srcId="{C68915FA-C1AB-4AC1-AD84-81504E7E7AE1}" destId="{33947B93-939F-45C2-8C5E-B1AEE185D6D0}" srcOrd="0" destOrd="0" presId="urn:microsoft.com/office/officeart/2005/8/layout/vList6"/>
+    <dgm:cxn modelId="{977F4FD6-375A-44C7-BD87-D5FC8F62B628}" srcId="{73B62FD0-0AB6-4001-B7DA-CDE8EFE3C4ED}" destId="{336EF20B-E411-4476-AC84-41E73305BED5}" srcOrd="2" destOrd="0" parTransId="{D8867ED3-E1A1-4872-9420-C195F7462363}" sibTransId="{FA17CCBD-20E8-4C4E-9F94-7157F67863B6}"/>
+    <dgm:cxn modelId="{AE8A16C5-8D52-4DE5-90F6-FBEABCFC4666}" type="presOf" srcId="{A01F2B41-12CF-4F76-9DA5-9448C2501352}" destId="{8649F8C4-0B17-4A7D-978E-1C977268C371}" srcOrd="0" destOrd="1" presId="urn:microsoft.com/office/officeart/2005/8/layout/vList6"/>
+    <dgm:cxn modelId="{4B0C5F0F-A796-4632-8609-1C2D71A250A6}" type="presOf" srcId="{27857359-D21C-4ED2-9249-E34DB161669B}" destId="{42A58480-213C-4B66-95D1-505DC3A896F4}" srcOrd="0" destOrd="2" presId="urn:microsoft.com/office/officeart/2005/8/layout/vList6"/>
+    <dgm:cxn modelId="{09953CCB-5FCF-4929-8101-739FBAE637FA}" type="presOf" srcId="{9800BB60-4F99-44D1-816D-F0F3585C55C3}" destId="{8649F8C4-0B17-4A7D-978E-1C977268C371}" srcOrd="0" destOrd="0" presId="urn:microsoft.com/office/officeart/2005/8/layout/vList6"/>
+    <dgm:cxn modelId="{AFAC3B96-A765-402F-AA49-3D5618485FFF}" srcId="{C68915FA-C1AB-4AC1-AD84-81504E7E7AE1}" destId="{73B62FD0-0AB6-4001-B7DA-CDE8EFE3C4ED}" srcOrd="1" destOrd="0" parTransId="{747BBB77-4B81-4544-96EC-7735D49F9C44}" sibTransId="{15F33C5F-8DAA-4476-9CA8-C7C56E411004}"/>
+    <dgm:cxn modelId="{11B7DC6F-5018-4C6D-A69F-D48D00DC19BF}" srcId="{73B62FD0-0AB6-4001-B7DA-CDE8EFE3C4ED}" destId="{A01F2B41-12CF-4F76-9DA5-9448C2501352}" srcOrd="1" destOrd="0" parTransId="{B091592B-8185-41C4-8265-AE524D92239A}" sibTransId="{AA3A5A82-91F4-4ABF-822D-67BB92F951A7}"/>
+    <dgm:cxn modelId="{85359FBE-C399-42F2-8C15-3A56009A9DDA}" type="presOf" srcId="{73B62FD0-0AB6-4001-B7DA-CDE8EFE3C4ED}" destId="{0A6A0B8F-2BFC-412D-8DBE-62C31D56BA76}" srcOrd="0" destOrd="0" presId="urn:microsoft.com/office/officeart/2005/8/layout/vList6"/>
+    <dgm:cxn modelId="{8A8D7866-20AB-47C8-A4AF-46FD5D9FB260}" srcId="{73B62FD0-0AB6-4001-B7DA-CDE8EFE3C4ED}" destId="{9800BB60-4F99-44D1-816D-F0F3585C55C3}" srcOrd="0" destOrd="0" parTransId="{D7A0EFD4-D138-4A72-9FF6-61256257D928}" sibTransId="{2BAEBE60-9CAD-4F68-8CC2-B4B3CD15E6CD}"/>
+    <dgm:cxn modelId="{580D9970-F48B-4631-BC06-FE15B8B0E1AB}" type="presOf" srcId="{E101CF22-E8A2-4067-B5EF-ECFC16A0A1FB}" destId="{42A58480-213C-4B66-95D1-505DC3A896F4}" srcOrd="0" destOrd="1" presId="urn:microsoft.com/office/officeart/2005/8/layout/vList6"/>
+    <dgm:cxn modelId="{3713B033-DEF3-4528-8C79-4651FA7C937B}" srcId="{B11343D8-5750-4C53-BB55-D94E8CD1B275}" destId="{869F2279-8802-4A61-880A-9AAA95C73C44}" srcOrd="0" destOrd="0" parTransId="{E68155E4-CFFF-4B44-8F07-035985FD327F}" sibTransId="{2E4CEE98-D89F-4CEE-87C9-823BC29D3831}"/>
     <dgm:cxn modelId="{49B18CB5-6B79-4503-AA54-7F7510E9CC72}" srcId="{B11343D8-5750-4C53-BB55-D94E8CD1B275}" destId="{27857359-D21C-4ED2-9249-E34DB161669B}" srcOrd="2" destOrd="0" parTransId="{0E5EA018-35A1-40F3-B7AC-0A1D71D8EF76}" sibTransId="{FA923E20-FA1B-4D3C-B019-848AC9607A1F}"/>
-    <dgm:cxn modelId="{85359FBE-C399-42F2-8C15-3A56009A9DDA}" type="presOf" srcId="{73B62FD0-0AB6-4001-B7DA-CDE8EFE3C4ED}" destId="{0A6A0B8F-2BFC-412D-8DBE-62C31D56BA76}" srcOrd="0" destOrd="0" presId="urn:microsoft.com/office/officeart/2005/8/layout/vList6"/>
+    <dgm:cxn modelId="{C6734D11-04B6-4D8F-B6D1-DC193C57BAA8}" srcId="{B11343D8-5750-4C53-BB55-D94E8CD1B275}" destId="{621509B0-C862-4682-9711-7B0459AF3CFD}" srcOrd="4" destOrd="0" parTransId="{9502C8E2-972C-4911-9567-5DB293C40F27}" sibTransId="{0F9E5D26-216A-47D5-B684-CB293CA735C2}"/>
+    <dgm:cxn modelId="{6EBFFE60-9A02-486C-B48E-E7774C12DBD0}" type="presOf" srcId="{A683CEB9-5879-4834-86BF-7BD0CE946464}" destId="{42A58480-213C-4B66-95D1-505DC3A896F4}" srcOrd="0" destOrd="3" presId="urn:microsoft.com/office/officeart/2005/8/layout/vList6"/>
+    <dgm:cxn modelId="{26676278-9BA7-477E-935D-2ACE339E538A}" type="presOf" srcId="{621509B0-C862-4682-9711-7B0459AF3CFD}" destId="{42A58480-213C-4B66-95D1-505DC3A896F4}" srcOrd="0" destOrd="4" presId="urn:microsoft.com/office/officeart/2005/8/layout/vList6"/>
+    <dgm:cxn modelId="{4B0E87F4-17E8-42E0-892D-5F6DE97143CA}" srcId="{C68915FA-C1AB-4AC1-AD84-81504E7E7AE1}" destId="{B11343D8-5750-4C53-BB55-D94E8CD1B275}" srcOrd="0" destOrd="0" parTransId="{3B3ED38A-B292-46DD-8219-ED4FDB2F019D}" sibTransId="{6D9CCE4E-D171-4787-AFD0-4C117FC1EAED}"/>
+    <dgm:cxn modelId="{B29A65B8-6255-45BA-921A-3CEA6552847D}" srcId="{B11343D8-5750-4C53-BB55-D94E8CD1B275}" destId="{A683CEB9-5879-4834-86BF-7BD0CE946464}" srcOrd="3" destOrd="0" parTransId="{6289D49B-B695-4729-9C29-5FADCD5CD646}" sibTransId="{B63442D0-51FD-4D07-87A7-0459772E235F}"/>
+    <dgm:cxn modelId="{CF709DB4-22A0-49CB-ABC6-CDEA9E3CCADF}" type="presOf" srcId="{869F2279-8802-4A61-880A-9AAA95C73C44}" destId="{42A58480-213C-4B66-95D1-505DC3A896F4}" srcOrd="0" destOrd="0" presId="urn:microsoft.com/office/officeart/2005/8/layout/vList6"/>
+    <dgm:cxn modelId="{65D2CD1B-EBD6-424A-94F9-6DA268D719FB}" srcId="{B11343D8-5750-4C53-BB55-D94E8CD1B275}" destId="{E101CF22-E8A2-4067-B5EF-ECFC16A0A1FB}" srcOrd="1" destOrd="0" parTransId="{DFB90AF5-569C-4D76-8091-DC51C9750296}" sibTransId="{B9F172F9-1D08-4FF2-B398-0E4C4B977E60}"/>
     <dgm:cxn modelId="{F067FEA4-1DF3-4DAA-83C5-2CF191931CF4}" type="presOf" srcId="{336EF20B-E411-4476-AC84-41E73305BED5}" destId="{8649F8C4-0B17-4A7D-978E-1C977268C371}" srcOrd="0" destOrd="2" presId="urn:microsoft.com/office/officeart/2005/8/layout/vList6"/>
     <dgm:cxn modelId="{7BD3224E-AE11-4858-8815-1F85904801EB}" type="presOf" srcId="{B11343D8-5750-4C53-BB55-D94E8CD1B275}" destId="{916D8760-8BFF-40C7-B50B-180DA4DAC7A4}" srcOrd="0" destOrd="0" presId="urn:microsoft.com/office/officeart/2005/8/layout/vList6"/>
-    <dgm:cxn modelId="{B29A65B8-6255-45BA-921A-3CEA6552847D}" srcId="{B11343D8-5750-4C53-BB55-D94E8CD1B275}" destId="{A683CEB9-5879-4834-86BF-7BD0CE946464}" srcOrd="3" destOrd="0" parTransId="{6289D49B-B695-4729-9C29-5FADCD5CD646}" sibTransId="{B63442D0-51FD-4D07-87A7-0459772E235F}"/>
-    <dgm:cxn modelId="{26676278-9BA7-477E-935D-2ACE339E538A}" type="presOf" srcId="{621509B0-C862-4682-9711-7B0459AF3CFD}" destId="{42A58480-213C-4B66-95D1-505DC3A896F4}" srcOrd="0" destOrd="4" presId="urn:microsoft.com/office/officeart/2005/8/layout/vList6"/>
-    <dgm:cxn modelId="{65D2CD1B-EBD6-424A-94F9-6DA268D719FB}" srcId="{B11343D8-5750-4C53-BB55-D94E8CD1B275}" destId="{E101CF22-E8A2-4067-B5EF-ECFC16A0A1FB}" srcOrd="1" destOrd="0" parTransId="{DFB90AF5-569C-4D76-8091-DC51C9750296}" sibTransId="{B9F172F9-1D08-4FF2-B398-0E4C4B977E60}"/>
-    <dgm:cxn modelId="{4B0E87F4-17E8-42E0-892D-5F6DE97143CA}" srcId="{C68915FA-C1AB-4AC1-AD84-81504E7E7AE1}" destId="{B11343D8-5750-4C53-BB55-D94E8CD1B275}" srcOrd="0" destOrd="0" parTransId="{3B3ED38A-B292-46DD-8219-ED4FDB2F019D}" sibTransId="{6D9CCE4E-D171-4787-AFD0-4C117FC1EAED}"/>
-    <dgm:cxn modelId="{C6734D11-04B6-4D8F-B6D1-DC193C57BAA8}" srcId="{B11343D8-5750-4C53-BB55-D94E8CD1B275}" destId="{621509B0-C862-4682-9711-7B0459AF3CFD}" srcOrd="4" destOrd="0" parTransId="{9502C8E2-972C-4911-9567-5DB293C40F27}" sibTransId="{0F9E5D26-216A-47D5-B684-CB293CA735C2}"/>
-    <dgm:cxn modelId="{6EBFFE60-9A02-486C-B48E-E7774C12DBD0}" type="presOf" srcId="{A683CEB9-5879-4834-86BF-7BD0CE946464}" destId="{42A58480-213C-4B66-95D1-505DC3A896F4}" srcOrd="0" destOrd="3" presId="urn:microsoft.com/office/officeart/2005/8/layout/vList6"/>
-    <dgm:cxn modelId="{AE8A16C5-8D52-4DE5-90F6-FBEABCFC4666}" type="presOf" srcId="{A01F2B41-12CF-4F76-9DA5-9448C2501352}" destId="{8649F8C4-0B17-4A7D-978E-1C977268C371}" srcOrd="0" destOrd="1" presId="urn:microsoft.com/office/officeart/2005/8/layout/vList6"/>
-    <dgm:cxn modelId="{7C1D2255-AFBA-430F-968B-6BCEE0B23547}" type="presOf" srcId="{C68915FA-C1AB-4AC1-AD84-81504E7E7AE1}" destId="{33947B93-939F-45C2-8C5E-B1AEE185D6D0}" srcOrd="0" destOrd="0" presId="urn:microsoft.com/office/officeart/2005/8/layout/vList6"/>
-    <dgm:cxn modelId="{09953CCB-5FCF-4929-8101-739FBAE637FA}" type="presOf" srcId="{9800BB60-4F99-44D1-816D-F0F3585C55C3}" destId="{8649F8C4-0B17-4A7D-978E-1C977268C371}" srcOrd="0" destOrd="0" presId="urn:microsoft.com/office/officeart/2005/8/layout/vList6"/>
-    <dgm:cxn modelId="{11B7DC6F-5018-4C6D-A69F-D48D00DC19BF}" srcId="{73B62FD0-0AB6-4001-B7DA-CDE8EFE3C4ED}" destId="{A01F2B41-12CF-4F76-9DA5-9448C2501352}" srcOrd="1" destOrd="0" parTransId="{B091592B-8185-41C4-8265-AE524D92239A}" sibTransId="{AA3A5A82-91F4-4ABF-822D-67BB92F951A7}"/>
-    <dgm:cxn modelId="{580D9970-F48B-4631-BC06-FE15B8B0E1AB}" type="presOf" srcId="{E101CF22-E8A2-4067-B5EF-ECFC16A0A1FB}" destId="{42A58480-213C-4B66-95D1-505DC3A896F4}" srcOrd="0" destOrd="1" presId="urn:microsoft.com/office/officeart/2005/8/layout/vList6"/>
-    <dgm:cxn modelId="{3713B033-DEF3-4528-8C79-4651FA7C937B}" srcId="{B11343D8-5750-4C53-BB55-D94E8CD1B275}" destId="{869F2279-8802-4A61-880A-9AAA95C73C44}" srcOrd="0" destOrd="0" parTransId="{E68155E4-CFFF-4B44-8F07-035985FD327F}" sibTransId="{2E4CEE98-D89F-4CEE-87C9-823BC29D3831}"/>
-    <dgm:cxn modelId="{AFAC3B96-A765-402F-AA49-3D5618485FFF}" srcId="{C68915FA-C1AB-4AC1-AD84-81504E7E7AE1}" destId="{73B62FD0-0AB6-4001-B7DA-CDE8EFE3C4ED}" srcOrd="1" destOrd="0" parTransId="{747BBB77-4B81-4544-96EC-7735D49F9C44}" sibTransId="{15F33C5F-8DAA-4476-9CA8-C7C56E411004}"/>
-    <dgm:cxn modelId="{CF709DB4-22A0-49CB-ABC6-CDEA9E3CCADF}" type="presOf" srcId="{869F2279-8802-4A61-880A-9AAA95C73C44}" destId="{42A58480-213C-4B66-95D1-505DC3A896F4}" srcOrd="0" destOrd="0" presId="urn:microsoft.com/office/officeart/2005/8/layout/vList6"/>
-    <dgm:cxn modelId="{977F4FD6-375A-44C7-BD87-D5FC8F62B628}" srcId="{73B62FD0-0AB6-4001-B7DA-CDE8EFE3C4ED}" destId="{336EF20B-E411-4476-AC84-41E73305BED5}" srcOrd="2" destOrd="0" parTransId="{D8867ED3-E1A1-4872-9420-C195F7462363}" sibTransId="{FA17CCBD-20E8-4C4E-9F94-7157F67863B6}"/>
-    <dgm:cxn modelId="{4B0C5F0F-A796-4632-8609-1C2D71A250A6}" type="presOf" srcId="{27857359-D21C-4ED2-9249-E34DB161669B}" destId="{42A58480-213C-4B66-95D1-505DC3A896F4}" srcOrd="0" destOrd="2" presId="urn:microsoft.com/office/officeart/2005/8/layout/vList6"/>
-    <dgm:cxn modelId="{8A8D7866-20AB-47C8-A4AF-46FD5D9FB260}" srcId="{73B62FD0-0AB6-4001-B7DA-CDE8EFE3C4ED}" destId="{9800BB60-4F99-44D1-816D-F0F3585C55C3}" srcOrd="0" destOrd="0" parTransId="{D7A0EFD4-D138-4A72-9FF6-61256257D928}" sibTransId="{2BAEBE60-9CAD-4F68-8CC2-B4B3CD15E6CD}"/>
     <dgm:cxn modelId="{5399FB40-3AFC-4FBE-B5C9-25B327CF80E9}" type="presParOf" srcId="{33947B93-939F-45C2-8C5E-B1AEE185D6D0}" destId="{03B1C940-7285-4974-90EE-BA8FD510A6A1}" srcOrd="0" destOrd="0" presId="urn:microsoft.com/office/officeart/2005/8/layout/vList6"/>
     <dgm:cxn modelId="{40108E5C-76EB-4A84-90F7-973D3917BE56}" type="presParOf" srcId="{03B1C940-7285-4974-90EE-BA8FD510A6A1}" destId="{916D8760-8BFF-40C7-B50B-180DA4DAC7A4}" srcOrd="0" destOrd="0" presId="urn:microsoft.com/office/officeart/2005/8/layout/vList6"/>
     <dgm:cxn modelId="{D30D6438-5005-423D-AC4A-89FFFE013543}" type="presParOf" srcId="{03B1C940-7285-4974-90EE-BA8FD510A6A1}" destId="{42A58480-213C-4B66-95D1-505DC3A896F4}" srcOrd="1" destOrd="0" presId="urn:microsoft.com/office/officeart/2005/8/layout/vList6"/>
@@ -3205,7 +3233,7 @@
             <a:fld id="{1D8BD707-D9CF-40AE-B4C6-C98DA3205C09}" type="datetimeFigureOut">
               <a:rPr lang="en-US" smtClean="0"/>
               <a:pPr/>
-              <a:t>7/4/2012</a:t>
+              <a:t>7/14/2012</a:t>
             </a:fld>
             <a:endParaRPr lang="en-US"/>
           </a:p>
@@ -3372,7 +3400,7 @@
             <a:fld id="{1D8BD707-D9CF-40AE-B4C6-C98DA3205C09}" type="datetimeFigureOut">
               <a:rPr lang="en-US" smtClean="0"/>
               <a:pPr/>
-              <a:t>7/4/2012</a:t>
+              <a:t>7/14/2012</a:t>
             </a:fld>
             <a:endParaRPr lang="en-US"/>
           </a:p>
@@ -3549,7 +3577,7 @@
             <a:fld id="{1D8BD707-D9CF-40AE-B4C6-C98DA3205C09}" type="datetimeFigureOut">
               <a:rPr lang="en-US" smtClean="0"/>
               <a:pPr/>
-              <a:t>7/4/2012</a:t>
+              <a:t>7/14/2012</a:t>
             </a:fld>
             <a:endParaRPr lang="en-US"/>
           </a:p>
@@ -3716,7 +3744,7 @@
             <a:fld id="{1D8BD707-D9CF-40AE-B4C6-C98DA3205C09}" type="datetimeFigureOut">
               <a:rPr lang="en-US" smtClean="0"/>
               <a:pPr/>
-              <a:t>7/4/2012</a:t>
+              <a:t>7/14/2012</a:t>
             </a:fld>
             <a:endParaRPr lang="en-US"/>
           </a:p>
@@ -3959,7 +3987,7 @@
             <a:fld id="{1D8BD707-D9CF-40AE-B4C6-C98DA3205C09}" type="datetimeFigureOut">
               <a:rPr lang="en-US" smtClean="0"/>
               <a:pPr/>
-              <a:t>7/4/2012</a:t>
+              <a:t>7/14/2012</a:t>
             </a:fld>
             <a:endParaRPr lang="en-US"/>
           </a:p>
@@ -4244,7 +4272,7 @@
             <a:fld id="{1D8BD707-D9CF-40AE-B4C6-C98DA3205C09}" type="datetimeFigureOut">
               <a:rPr lang="en-US" smtClean="0"/>
               <a:pPr/>
-              <a:t>7/4/2012</a:t>
+              <a:t>7/14/2012</a:t>
             </a:fld>
             <a:endParaRPr lang="en-US"/>
           </a:p>
@@ -4663,7 +4691,7 @@
             <a:fld id="{1D8BD707-D9CF-40AE-B4C6-C98DA3205C09}" type="datetimeFigureOut">
               <a:rPr lang="en-US" smtClean="0"/>
               <a:pPr/>
-              <a:t>7/4/2012</a:t>
+              <a:t>7/14/2012</a:t>
             </a:fld>
             <a:endParaRPr lang="en-US"/>
           </a:p>
@@ -4778,7 +4806,7 @@
             <a:fld id="{1D8BD707-D9CF-40AE-B4C6-C98DA3205C09}" type="datetimeFigureOut">
               <a:rPr lang="en-US" smtClean="0"/>
               <a:pPr/>
-              <a:t>7/4/2012</a:t>
+              <a:t>7/14/2012</a:t>
             </a:fld>
             <a:endParaRPr lang="en-US"/>
           </a:p>
@@ -4870,7 +4898,7 @@
             <a:fld id="{1D8BD707-D9CF-40AE-B4C6-C98DA3205C09}" type="datetimeFigureOut">
               <a:rPr lang="en-US" smtClean="0"/>
               <a:pPr/>
-              <a:t>7/4/2012</a:t>
+              <a:t>7/14/2012</a:t>
             </a:fld>
             <a:endParaRPr lang="en-US"/>
           </a:p>
@@ -5144,7 +5172,7 @@
             <a:fld id="{1D8BD707-D9CF-40AE-B4C6-C98DA3205C09}" type="datetimeFigureOut">
               <a:rPr lang="en-US" smtClean="0"/>
               <a:pPr/>
-              <a:t>7/4/2012</a:t>
+              <a:t>7/14/2012</a:t>
             </a:fld>
             <a:endParaRPr lang="en-US"/>
           </a:p>
@@ -5394,7 +5422,7 @@
             <a:fld id="{1D8BD707-D9CF-40AE-B4C6-C98DA3205C09}" type="datetimeFigureOut">
               <a:rPr lang="en-US" smtClean="0"/>
               <a:pPr/>
-              <a:t>7/4/2012</a:t>
+              <a:t>7/14/2012</a:t>
             </a:fld>
             <a:endParaRPr lang="en-US"/>
           </a:p>
@@ -5604,7 +5632,7 @@
             <a:fld id="{1D8BD707-D9CF-40AE-B4C6-C98DA3205C09}" type="datetimeFigureOut">
               <a:rPr lang="en-US" smtClean="0"/>
               <a:pPr/>
-              <a:t>7/4/2012</a:t>
+              <a:t>7/14/2012</a:t>
             </a:fld>
             <a:endParaRPr lang="en-US"/>
           </a:p>
@@ -6106,11 +6134,7 @@
           <a:p>
             <a:r>
               <a:rPr lang="nl-BE" dirty="0" smtClean="0"/>
-              <a:t>Create a build </a:t>
-            </a:r>
-            <a:r>
-              <a:rPr lang="nl-BE" dirty="0" smtClean="0"/>
-              <a:t>file</a:t>
+              <a:t>Create a build file</a:t>
             </a:r>
           </a:p>
           <a:p>
@@ -6250,11 +6274,7 @@
             </a:r>
             <a:r>
               <a:rPr lang="nl-BE" smtClean="0"/>
-              <a:t>install </a:t>
-            </a:r>
-            <a:r>
-              <a:rPr lang="nl-BE" smtClean="0"/>
-              <a:t>albacore</a:t>
+              <a:t>install albacore</a:t>
             </a:r>
             <a:endParaRPr lang="nl-BE" dirty="0" smtClean="0"/>
           </a:p>
@@ -6462,6 +6482,13 @@
             <a:r>
               <a:rPr lang="nl-BE" dirty="0" smtClean="0"/>
               <a:t>rake</a:t>
+            </a:r>
+          </a:p>
+          <a:p>
+            <a:pPr lvl="1"/>
+            <a:r>
+              <a:rPr lang="nl-BE" dirty="0" smtClean="0"/>
+              <a:t>rake -T</a:t>
             </a:r>
             <a:endParaRPr lang="nl-BE" dirty="0"/>
           </a:p>
